--- a/발표자료/감정_발표자료.pptx
+++ b/발표자료/감정_발표자료.pptx
@@ -3126,8 +3126,8 @@
         </p:nvSpPr>
         <p:spPr>
           <a:xfrm>
-            <a:off x="8721263" y="4589623"/>
-            <a:ext cx="2484293" cy="1754326"/>
+            <a:off x="7722525" y="4589623"/>
+            <a:ext cx="3483032" cy="923330"/>
           </a:xfrm>
           <a:prstGeom prst="rect">
             <a:avLst/>
@@ -3186,20 +3186,13 @@
               </a:rPr>
               <a:t>박도월</a:t>
             </a:r>
-            <a:endParaRPr lang="en-US" altLang="ko-KR" dirty="0" smtClean="0">
-              <a:solidFill>
-                <a:schemeClr val="bg1"/>
-              </a:solidFill>
-            </a:endParaRPr>
-          </a:p>
-          <a:p>
-            <a:r>
-              <a:rPr lang="ko-KR" altLang="en-US" dirty="0" err="1">
+            <a:r>
+              <a:rPr lang="en-US" altLang="ko-KR" dirty="0" smtClean="0">
                 <a:solidFill>
                   <a:schemeClr val="bg1"/>
                 </a:solidFill>
               </a:rPr>
-              <a:t>손</a:t>
+              <a:t>, </a:t>
             </a:r>
             <a:r>
               <a:rPr lang="ko-KR" altLang="en-US" dirty="0" err="1" smtClean="0">
@@ -3207,15 +3200,24 @@
                   <a:schemeClr val="bg1"/>
                 </a:solidFill>
               </a:rPr>
-              <a:t>영빈</a:t>
-            </a:r>
-            <a:endParaRPr lang="en-US" altLang="ko-KR" dirty="0" smtClean="0">
-              <a:solidFill>
-                <a:schemeClr val="bg1"/>
-              </a:solidFill>
-            </a:endParaRPr>
-          </a:p>
-          <a:p>
+              <a:t>손영빈</a:t>
+            </a:r>
+            <a:r>
+              <a:rPr lang="en-US" altLang="ko-KR" dirty="0" smtClean="0">
+                <a:solidFill>
+                  <a:schemeClr val="bg1"/>
+                </a:solidFill>
+              </a:rPr>
+              <a:t>,</a:t>
+            </a:r>
+            <a:r>
+              <a:rPr lang="en-US" altLang="ko-KR" dirty="0">
+                <a:solidFill>
+                  <a:schemeClr val="bg1"/>
+                </a:solidFill>
+              </a:rPr>
+              <a:t> </a:t>
+            </a:r>
             <a:r>
               <a:rPr lang="ko-KR" altLang="en-US" dirty="0" smtClean="0">
                 <a:solidFill>
@@ -3224,13 +3226,14 @@
               </a:rPr>
               <a:t>신현택</a:t>
             </a:r>
-            <a:endParaRPr lang="en-US" altLang="ko-KR" dirty="0" smtClean="0">
-              <a:solidFill>
-                <a:schemeClr val="bg1"/>
-              </a:solidFill>
-            </a:endParaRPr>
-          </a:p>
-          <a:p>
+            <a:r>
+              <a:rPr lang="en-US" altLang="ko-KR" dirty="0" smtClean="0">
+                <a:solidFill>
+                  <a:schemeClr val="bg1"/>
+                </a:solidFill>
+              </a:rPr>
+              <a:t>, </a:t>
+            </a:r>
             <a:r>
               <a:rPr lang="ko-KR" altLang="en-US" dirty="0" err="1" smtClean="0">
                 <a:solidFill>
@@ -3616,20 +3619,54 @@
               <a:t>최종 정확도  </a:t>
             </a:r>
             <a:r>
-              <a:rPr lang="en-US" altLang="ko-KR" dirty="0" smtClean="0"/>
+              <a:rPr lang="en-US" altLang="ko-KR" smtClean="0"/>
               <a:t>: </a:t>
             </a:r>
             <a:r>
-              <a:rPr lang="en-US" altLang="ko-KR" dirty="0" smtClean="0"/>
-              <a:t>79.89%</a:t>
+              <a:rPr lang="en-US" altLang="ko-KR" smtClean="0"/>
+              <a:t>80.81%</a:t>
             </a:r>
             <a:endParaRPr lang="ko-KR" altLang="en-US" dirty="0"/>
+          </a:p>
+        </p:txBody>
+      </p:sp>
+      <p:sp>
+        <p:nvSpPr>
+          <p:cNvPr id="9" name="TextBox 8"/>
+          <p:cNvSpPr txBox="1"/>
+          <p:nvPr/>
+        </p:nvSpPr>
+        <p:spPr>
+          <a:xfrm>
+            <a:off x="6642377" y="6005412"/>
+            <a:ext cx="872837" cy="307777"/>
+          </a:xfrm>
+          <a:prstGeom prst="rect">
+            <a:avLst/>
+          </a:prstGeom>
+          <a:noFill/>
+        </p:spPr>
+        <p:txBody>
+          <a:bodyPr wrap="square" rtlCol="0">
+            <a:spAutoFit/>
+          </a:bodyPr>
+          <a:lstStyle/>
+          <a:p>
+            <a:r>
+              <a:rPr lang="ko-KR" altLang="en-US" sz="1400" dirty="0" smtClean="0"/>
+              <a:t>그림 </a:t>
+            </a:r>
+            <a:r>
+              <a:rPr lang="en-US" altLang="ko-KR" sz="1400" dirty="0"/>
+              <a:t>6</a:t>
+            </a:r>
+            <a:endParaRPr lang="ko-KR" altLang="en-US" sz="1400" dirty="0"/>
           </a:p>
         </p:txBody>
       </p:sp>
       <p:pic>
         <p:nvPicPr>
-          <p:cNvPr id="2" name="그림 1"/>
+          <p:cNvPr id="3" name="그림 2"/>
           <p:cNvPicPr>
             <a:picLocks noChangeAspect="1"/>
           </p:cNvPicPr>
@@ -3657,40 +3694,6 @@
           </a:prstGeom>
         </p:spPr>
       </p:pic>
-      <p:sp>
-        <p:nvSpPr>
-          <p:cNvPr id="9" name="TextBox 8"/>
-          <p:cNvSpPr txBox="1"/>
-          <p:nvPr/>
-        </p:nvSpPr>
-        <p:spPr>
-          <a:xfrm>
-            <a:off x="6642377" y="6005412"/>
-            <a:ext cx="872837" cy="307777"/>
-          </a:xfrm>
-          <a:prstGeom prst="rect">
-            <a:avLst/>
-          </a:prstGeom>
-          <a:noFill/>
-        </p:spPr>
-        <p:txBody>
-          <a:bodyPr wrap="square" rtlCol="0">
-            <a:spAutoFit/>
-          </a:bodyPr>
-          <a:lstStyle/>
-          <a:p>
-            <a:r>
-              <a:rPr lang="ko-KR" altLang="en-US" sz="1400" dirty="0" smtClean="0"/>
-              <a:t>그림 </a:t>
-            </a:r>
-            <a:r>
-              <a:rPr lang="en-US" altLang="ko-KR" sz="1400" dirty="0"/>
-              <a:t>6</a:t>
-            </a:r>
-            <a:endParaRPr lang="ko-KR" altLang="en-US" sz="1400" dirty="0"/>
-          </a:p>
-        </p:txBody>
-      </p:sp>
     </p:spTree>
     <p:extLst>
       <p:ext uri="{BB962C8B-B14F-4D97-AF65-F5344CB8AC3E}">
@@ -3939,11 +3942,7 @@
             </a:r>
             <a:r>
               <a:rPr lang="en-US" altLang="ko-KR" dirty="0" smtClean="0"/>
-              <a:t>: </a:t>
-            </a:r>
-            <a:r>
-              <a:rPr lang="en-US" altLang="ko-KR" dirty="0" smtClean="0"/>
-              <a:t>60.85%</a:t>
+              <a:t>: 60.85%</a:t>
             </a:r>
             <a:endParaRPr lang="ko-KR" altLang="en-US" dirty="0"/>
           </a:p>
@@ -8787,11 +8786,7 @@
           <a:p>
             <a:r>
               <a:rPr lang="ko-KR" altLang="en-US" dirty="0" smtClean="0"/>
-              <a:t>긍정 </a:t>
-            </a:r>
-            <a:r>
-              <a:rPr lang="ko-KR" altLang="en-US" dirty="0" smtClean="0"/>
-              <a:t>데이터가 많았기 때문에 일부 긍정 데이터를 사용하지 않고 학습 진행</a:t>
+              <a:t>긍정 데이터가 많았기 때문에 일부 긍정 데이터를 사용하지 않고 학습 진행</a:t>
             </a:r>
             <a:endParaRPr lang="ko-KR" altLang="en-US" dirty="0"/>
           </a:p>
